--- a/InterviewStudyMaterial/MVC_Interview_Questions_with_answers.pptx
+++ b/InterviewStudyMaterial/MVC_Interview_Questions_with_answers.pptx
@@ -204,7 +204,7 @@
             <a:fld id="{F44ACCB6-878C-4C91-8634-0328403ABEB7}" type="datetimeFigureOut">
               <a:rPr lang="en-US" smtClean="0"/>
               <a:pPr/>
-              <a:t>1/20/2021</a:t>
+              <a:t>2/4/2021</a:t>
             </a:fld>
             <a:endParaRPr lang="en-US" dirty="0"/>
           </a:p>
@@ -734,7 +734,7 @@
             <a:fld id="{13356D62-DA25-4A43-84BD-B30EE7504D09}" type="datetime1">
               <a:rPr lang="en-US" smtClean="0"/>
               <a:pPr/>
-              <a:t>1/20/2021</a:t>
+              <a:t>2/4/2021</a:t>
             </a:fld>
             <a:endParaRPr lang="en-US" dirty="0"/>
           </a:p>
@@ -901,7 +901,7 @@
             <a:fld id="{814F8D3D-F6AC-4D97-A2E3-7C6083D43E14}" type="datetime1">
               <a:rPr lang="en-US" smtClean="0"/>
               <a:pPr/>
-              <a:t>1/20/2021</a:t>
+              <a:t>2/4/2021</a:t>
             </a:fld>
             <a:endParaRPr lang="en-US" dirty="0"/>
           </a:p>
@@ -1078,7 +1078,7 @@
             <a:fld id="{918C6237-BF11-4109-A278-FBD11E4E63B6}" type="datetime1">
               <a:rPr lang="en-US" smtClean="0"/>
               <a:pPr/>
-              <a:t>1/20/2021</a:t>
+              <a:t>2/4/2021</a:t>
             </a:fld>
             <a:endParaRPr lang="en-US" dirty="0"/>
           </a:p>
@@ -1245,7 +1245,7 @@
             <a:fld id="{6BAB7C4F-C0F9-4814-8EF4-D06C5ECF3002}" type="datetime1">
               <a:rPr lang="en-US" smtClean="0"/>
               <a:pPr/>
-              <a:t>1/20/2021</a:t>
+              <a:t>2/4/2021</a:t>
             </a:fld>
             <a:endParaRPr lang="en-US" dirty="0"/>
           </a:p>
@@ -1488,7 +1488,7 @@
             <a:fld id="{14521067-E53F-434B-94A3-214DFAAEADE4}" type="datetime1">
               <a:rPr lang="en-US" smtClean="0"/>
               <a:pPr/>
-              <a:t>1/20/2021</a:t>
+              <a:t>2/4/2021</a:t>
             </a:fld>
             <a:endParaRPr lang="en-US" dirty="0"/>
           </a:p>
@@ -1773,7 +1773,7 @@
             <a:fld id="{392A1148-9868-4D9E-A495-D3240CB69D2F}" type="datetime1">
               <a:rPr lang="en-US" smtClean="0"/>
               <a:pPr/>
-              <a:t>1/20/2021</a:t>
+              <a:t>2/4/2021</a:t>
             </a:fld>
             <a:endParaRPr lang="en-US" dirty="0"/>
           </a:p>
@@ -2192,7 +2192,7 @@
             <a:fld id="{F8B369F5-87A9-425A-9D62-6801B9DD556F}" type="datetime1">
               <a:rPr lang="en-US" smtClean="0"/>
               <a:pPr/>
-              <a:t>1/20/2021</a:t>
+              <a:t>2/4/2021</a:t>
             </a:fld>
             <a:endParaRPr lang="en-US" dirty="0"/>
           </a:p>
@@ -2307,7 +2307,7 @@
             <a:fld id="{B6D94026-00C5-4147-98C3-F97EDD37CE9B}" type="datetime1">
               <a:rPr lang="en-US" smtClean="0"/>
               <a:pPr/>
-              <a:t>1/20/2021</a:t>
+              <a:t>2/4/2021</a:t>
             </a:fld>
             <a:endParaRPr lang="en-US" dirty="0"/>
           </a:p>
@@ -2399,7 +2399,7 @@
             <a:fld id="{8928E2AF-92CE-4484-A808-E3FD8E45B72C}" type="datetime1">
               <a:rPr lang="en-US" smtClean="0"/>
               <a:pPr/>
-              <a:t>1/20/2021</a:t>
+              <a:t>2/4/2021</a:t>
             </a:fld>
             <a:endParaRPr lang="en-US" dirty="0"/>
           </a:p>
@@ -2673,7 +2673,7 @@
             <a:fld id="{AA731B05-1C07-403E-A0CC-EE082BF3B586}" type="datetime1">
               <a:rPr lang="en-US" smtClean="0"/>
               <a:pPr/>
-              <a:t>1/20/2021</a:t>
+              <a:t>2/4/2021</a:t>
             </a:fld>
             <a:endParaRPr lang="en-US" dirty="0"/>
           </a:p>
@@ -2923,7 +2923,7 @@
             <a:fld id="{2B730414-610B-4C3B-8768-7E104C29943C}" type="datetime1">
               <a:rPr lang="en-US" smtClean="0"/>
               <a:pPr/>
-              <a:t>1/20/2021</a:t>
+              <a:t>2/4/2021</a:t>
             </a:fld>
             <a:endParaRPr lang="en-US" dirty="0"/>
           </a:p>
@@ -3148,7 +3148,7 @@
             <a:fld id="{74EC135A-3407-4695-A82D-1B177E093034}" type="datetime1">
               <a:rPr lang="en-US" smtClean="0"/>
               <a:pPr/>
-              <a:t>1/20/2021</a:t>
+              <a:t>2/4/2021</a:t>
             </a:fld>
             <a:endParaRPr lang="en-US" dirty="0"/>
           </a:p>
@@ -4207,11 +4207,7 @@
             </a:r>
             <a:r>
               <a:rPr lang="en-US" dirty="0" smtClean="0"/>
-              <a:t> </a:t>
-            </a:r>
-            <a:r>
-              <a:rPr lang="en-US" dirty="0" smtClean="0"/>
-              <a:t>model is used for storing data. view is used for displaying the data .  controller is usually used for handling user requests.</a:t>
+              <a:t> model is used for storing data. view is used for displaying the data .  controller is usually used for handling user requests.</a:t>
             </a:r>
           </a:p>
           <a:p>
